--- a/Leçons/diapo/LP01.pptx
+++ b/Leçons/diapo/LP01.pptx
@@ -8,8 +8,9 @@
     <p:sldId id="264" r:id="rId2"/>
     <p:sldId id="266" r:id="rId3"/>
     <p:sldId id="265" r:id="rId4"/>
-    <p:sldId id="267" r:id="rId5"/>
-    <p:sldId id="268" r:id="rId6"/>
+    <p:sldId id="269" r:id="rId5"/>
+    <p:sldId id="267" r:id="rId6"/>
+    <p:sldId id="268" r:id="rId7"/>
   </p:sldIdLst>
   <p:sldSz cx="12192000" cy="6858000"/>
   <p:notesSz cx="6858000" cy="9144000"/>
@@ -247,7 +248,7 @@
           <a:p>
             <a:fld id="{C262451B-073C-4FAC-8D0B-6648421A7945}" type="datetimeFigureOut">
               <a:rPr lang="fr-FR" smtClean="0"/>
-              <a:t>09/04/2020</a:t>
+              <a:t>17/04/2020</a:t>
             </a:fld>
             <a:endParaRPr lang="fr-FR"/>
           </a:p>
@@ -417,7 +418,7 @@
           <a:p>
             <a:fld id="{C262451B-073C-4FAC-8D0B-6648421A7945}" type="datetimeFigureOut">
               <a:rPr lang="fr-FR" smtClean="0"/>
-              <a:t>09/04/2020</a:t>
+              <a:t>17/04/2020</a:t>
             </a:fld>
             <a:endParaRPr lang="fr-FR"/>
           </a:p>
@@ -597,7 +598,7 @@
           <a:p>
             <a:fld id="{C262451B-073C-4FAC-8D0B-6648421A7945}" type="datetimeFigureOut">
               <a:rPr lang="fr-FR" smtClean="0"/>
-              <a:t>09/04/2020</a:t>
+              <a:t>17/04/2020</a:t>
             </a:fld>
             <a:endParaRPr lang="fr-FR"/>
           </a:p>
@@ -767,7 +768,7 @@
           <a:p>
             <a:fld id="{C262451B-073C-4FAC-8D0B-6648421A7945}" type="datetimeFigureOut">
               <a:rPr lang="fr-FR" smtClean="0"/>
-              <a:t>09/04/2020</a:t>
+              <a:t>17/04/2020</a:t>
             </a:fld>
             <a:endParaRPr lang="fr-FR"/>
           </a:p>
@@ -1013,7 +1014,7 @@
           <a:p>
             <a:fld id="{C262451B-073C-4FAC-8D0B-6648421A7945}" type="datetimeFigureOut">
               <a:rPr lang="fr-FR" smtClean="0"/>
-              <a:t>09/04/2020</a:t>
+              <a:t>17/04/2020</a:t>
             </a:fld>
             <a:endParaRPr lang="fr-FR"/>
           </a:p>
@@ -1245,7 +1246,7 @@
           <a:p>
             <a:fld id="{C262451B-073C-4FAC-8D0B-6648421A7945}" type="datetimeFigureOut">
               <a:rPr lang="fr-FR" smtClean="0"/>
-              <a:t>09/04/2020</a:t>
+              <a:t>17/04/2020</a:t>
             </a:fld>
             <a:endParaRPr lang="fr-FR"/>
           </a:p>
@@ -1612,7 +1613,7 @@
           <a:p>
             <a:fld id="{C262451B-073C-4FAC-8D0B-6648421A7945}" type="datetimeFigureOut">
               <a:rPr lang="fr-FR" smtClean="0"/>
-              <a:t>09/04/2020</a:t>
+              <a:t>17/04/2020</a:t>
             </a:fld>
             <a:endParaRPr lang="fr-FR"/>
           </a:p>
@@ -1730,7 +1731,7 @@
           <a:p>
             <a:fld id="{C262451B-073C-4FAC-8D0B-6648421A7945}" type="datetimeFigureOut">
               <a:rPr lang="fr-FR" smtClean="0"/>
-              <a:t>09/04/2020</a:t>
+              <a:t>17/04/2020</a:t>
             </a:fld>
             <a:endParaRPr lang="fr-FR"/>
           </a:p>
@@ -1825,7 +1826,7 @@
           <a:p>
             <a:fld id="{C262451B-073C-4FAC-8D0B-6648421A7945}" type="datetimeFigureOut">
               <a:rPr lang="fr-FR" smtClean="0"/>
-              <a:t>09/04/2020</a:t>
+              <a:t>17/04/2020</a:t>
             </a:fld>
             <a:endParaRPr lang="fr-FR"/>
           </a:p>
@@ -2102,7 +2103,7 @@
           <a:p>
             <a:fld id="{C262451B-073C-4FAC-8D0B-6648421A7945}" type="datetimeFigureOut">
               <a:rPr lang="fr-FR" smtClean="0"/>
-              <a:t>09/04/2020</a:t>
+              <a:t>17/04/2020</a:t>
             </a:fld>
             <a:endParaRPr lang="fr-FR"/>
           </a:p>
@@ -2355,7 +2356,7 @@
           <a:p>
             <a:fld id="{C262451B-073C-4FAC-8D0B-6648421A7945}" type="datetimeFigureOut">
               <a:rPr lang="fr-FR" smtClean="0"/>
-              <a:t>09/04/2020</a:t>
+              <a:t>17/04/2020</a:t>
             </a:fld>
             <a:endParaRPr lang="fr-FR"/>
           </a:p>
@@ -2568,7 +2569,7 @@
           <a:p>
             <a:fld id="{C262451B-073C-4FAC-8D0B-6648421A7945}" type="datetimeFigureOut">
               <a:rPr lang="fr-FR" smtClean="0"/>
-              <a:t>09/04/2020</a:t>
+              <a:t>17/04/2020</a:t>
             </a:fld>
             <a:endParaRPr lang="fr-FR"/>
           </a:p>
@@ -3002,23 +3003,7 @@
                   <a:srgbClr val="0070C0"/>
                 </a:solidFill>
               </a:rPr>
-              <a:t>LP01 </a:t>
-            </a:r>
-            <a:r>
-              <a:rPr lang="fr-FR" b="1" dirty="0" smtClean="0">
-                <a:solidFill>
-                  <a:srgbClr val="0070C0"/>
-                </a:solidFill>
-              </a:rPr>
-              <a:t>: </a:t>
-            </a:r>
-            <a:r>
-              <a:rPr lang="fr-FR" b="1" dirty="0" smtClean="0">
-                <a:solidFill>
-                  <a:srgbClr val="0070C0"/>
-                </a:solidFill>
-              </a:rPr>
-              <a:t>Gravitation</a:t>
+              <a:t>LP01 : Gravitation</a:t>
             </a:r>
             <a:endParaRPr lang="fr-FR" dirty="0">
               <a:solidFill>
@@ -3158,15 +3143,7 @@
                   <a:srgbClr val="0070C0"/>
                 </a:solidFill>
               </a:rPr>
-              <a:t>  </a:t>
-            </a:r>
-            <a:r>
-              <a:rPr lang="fr-FR" sz="3600" b="1" dirty="0" smtClean="0">
-                <a:solidFill>
-                  <a:srgbClr val="0070C0"/>
-                </a:solidFill>
-              </a:rPr>
-              <a:t>Les quatre interactions fondamentales</a:t>
+              <a:t>  Les quatre interactions fondamentales</a:t>
             </a:r>
             <a:endParaRPr lang="fr-FR" sz="3600" dirty="0">
               <a:solidFill>
@@ -3222,8 +3199,8 @@
           </a:fontRef>
         </p:style>
       </p:cxnSp>
-      <mc:AlternateContent xmlns:mc="http://schemas.openxmlformats.org/markup-compatibility/2006">
-        <mc:Choice xmlns:a14="http://schemas.microsoft.com/office/drawing/2010/main" Requires="a14">
+      <mc:AlternateContent xmlns:mc="http://schemas.openxmlformats.org/markup-compatibility/2006" xmlns:a14="http://schemas.microsoft.com/office/drawing/2010/main">
+        <mc:Choice Requires="a14">
           <p:graphicFrame>
             <p:nvGraphicFramePr>
               <p:cNvPr id="2" name="Tableau 1"/>
@@ -3434,13 +3411,7 @@
                                       <a:rPr lang="fr-FR" b="0" i="1" smtClean="0">
                                         <a:latin typeface="Cambria Math" panose="02040503050406030204" pitchFamily="18" charset="0"/>
                                       </a:rPr>
-                                      <m:t>−1</m:t>
-                                    </m:r>
-                                    <m:r>
-                                      <a:rPr lang="fr-FR" b="0" i="1" smtClean="0">
-                                        <a:latin typeface="Cambria Math" panose="02040503050406030204" pitchFamily="18" charset="0"/>
-                                      </a:rPr>
-                                      <m:t>8</m:t>
+                                      <m:t>−18</m:t>
                                     </m:r>
                                   </m:sup>
                                 </m:sSup>
@@ -3737,13 +3708,7 @@
                                       <a:rPr lang="fr-FR" b="0" i="1" smtClean="0">
                                         <a:latin typeface="Cambria Math" panose="02040503050406030204" pitchFamily="18" charset="0"/>
                                       </a:rPr>
-                                      <m:t>−</m:t>
-                                    </m:r>
-                                    <m:r>
-                                      <a:rPr lang="fr-FR" b="0" i="1" smtClean="0">
-                                        <a:latin typeface="Cambria Math" panose="02040503050406030204" pitchFamily="18" charset="0"/>
-                                      </a:rPr>
-                                      <m:t>40</m:t>
+                                      <m:t>−40</m:t>
                                     </m:r>
                                   </m:sup>
                                 </m:sSup>
@@ -3761,7 +3726,7 @@
             </a:graphic>
           </p:graphicFrame>
         </mc:Choice>
-        <mc:Fallback>
+        <mc:Fallback xmlns="">
           <p:graphicFrame>
             <p:nvGraphicFramePr>
               <p:cNvPr id="2" name="Tableau 1"/>
@@ -4172,15 +4137,7 @@
                   <a:srgbClr val="0070C0"/>
                 </a:solidFill>
               </a:rPr>
-              <a:t>  </a:t>
-            </a:r>
-            <a:r>
-              <a:rPr lang="fr-FR" sz="3600" b="1" dirty="0" smtClean="0">
-                <a:solidFill>
-                  <a:srgbClr val="0070C0"/>
-                </a:solidFill>
-              </a:rPr>
-              <a:t>Plusieurs théories de la gravitation</a:t>
+              <a:t>  Plusieurs théories de la gravitation</a:t>
             </a:r>
             <a:endParaRPr lang="fr-FR" sz="3600" dirty="0">
               <a:solidFill>
@@ -4850,7 +4807,258 @@
                   <a:srgbClr val="0070C0"/>
                 </a:solidFill>
               </a:rPr>
-              <a:t>Vitesse aréolaire</a:t>
+              <a:t>La Terre homogène ?</a:t>
+            </a:r>
+            <a:endParaRPr lang="fr-FR" sz="3600" dirty="0">
+              <a:solidFill>
+                <a:srgbClr val="0070C0"/>
+              </a:solidFill>
+            </a:endParaRPr>
+          </a:p>
+        </p:txBody>
+      </p:sp>
+      <p:cxnSp>
+        <p:nvCxnSpPr>
+          <p:cNvPr id="5" name="Connecteur droit 4"/>
+          <p:cNvCxnSpPr/>
+          <p:nvPr/>
+        </p:nvCxnSpPr>
+        <p:spPr>
+          <a:xfrm>
+            <a:off x="220983" y="747252"/>
+            <a:ext cx="11754707" cy="0"/>
+          </a:xfrm>
+          <a:prstGeom prst="line">
+            <a:avLst/>
+          </a:prstGeom>
+          <a:ln w="76200">
+            <a:gradFill flip="none" rotWithShape="1">
+              <a:gsLst>
+                <a:gs pos="0">
+                  <a:srgbClr val="0070C0"/>
+                </a:gs>
+                <a:gs pos="100000">
+                  <a:srgbClr val="0070C0">
+                    <a:alpha val="25000"/>
+                  </a:srgbClr>
+                </a:gs>
+              </a:gsLst>
+              <a:lin ang="0" scaled="1"/>
+              <a:tileRect/>
+            </a:gradFill>
+          </a:ln>
+        </p:spPr>
+        <p:style>
+          <a:lnRef idx="1">
+            <a:schemeClr val="accent1"/>
+          </a:lnRef>
+          <a:fillRef idx="0">
+            <a:schemeClr val="accent1"/>
+          </a:fillRef>
+          <a:effectRef idx="0">
+            <a:schemeClr val="accent1"/>
+          </a:effectRef>
+          <a:fontRef idx="minor">
+            <a:schemeClr val="tx1"/>
+          </a:fontRef>
+        </p:style>
+      </p:cxnSp>
+      <p:sp>
+        <p:nvSpPr>
+          <p:cNvPr id="9" name="AutoShape 2" descr="Albert Einstein — Wikipédia"/>
+          <p:cNvSpPr>
+            <a:spLocks noChangeAspect="1" noChangeArrowheads="1"/>
+          </p:cNvSpPr>
+          <p:nvPr/>
+        </p:nvSpPr>
+        <p:spPr bwMode="auto">
+          <a:xfrm>
+            <a:off x="155575" y="-144463"/>
+            <a:ext cx="304800" cy="304801"/>
+          </a:xfrm>
+          <a:prstGeom prst="rect">
+            <a:avLst/>
+          </a:prstGeom>
+          <a:noFill/>
+          <a:extLst>
+            <a:ext uri="{909E8E84-426E-40DD-AFC4-6F175D3DCCD1}">
+              <a14:hiddenFill xmlns:a14="http://schemas.microsoft.com/office/drawing/2010/main">
+                <a:solidFill>
+                  <a:srgbClr val="FFFFFF"/>
+                </a:solidFill>
+              </a14:hiddenFill>
+            </a:ext>
+          </a:extLst>
+        </p:spPr>
+        <p:txBody>
+          <a:bodyPr vert="horz" wrap="square" lIns="91440" tIns="45720" rIns="91440" bIns="45720" numCol="1" anchor="t" anchorCtr="0" compatLnSpc="1">
+            <a:prstTxWarp prst="textNoShape">
+              <a:avLst/>
+            </a:prstTxWarp>
+          </a:bodyPr>
+          <a:lstStyle/>
+          <a:p>
+            <a:endParaRPr lang="fr-FR"/>
+          </a:p>
+        </p:txBody>
+      </p:sp>
+      <p:pic>
+        <p:nvPicPr>
+          <p:cNvPr id="2" name="Image 1"/>
+          <p:cNvPicPr>
+            <a:picLocks noChangeAspect="1"/>
+          </p:cNvPicPr>
+          <p:nvPr/>
+        </p:nvPicPr>
+        <p:blipFill>
+          <a:blip r:embed="rId2">
+            <a:extLst>
+              <a:ext uri="{28A0092B-C50C-407E-A947-70E740481C1C}">
+                <a14:useLocalDpi xmlns:a14="http://schemas.microsoft.com/office/drawing/2010/main" val="0"/>
+              </a:ext>
+            </a:extLst>
+          </a:blip>
+          <a:stretch>
+            <a:fillRect/>
+          </a:stretch>
+        </p:blipFill>
+        <p:spPr>
+          <a:xfrm>
+            <a:off x="2347865" y="1334166"/>
+            <a:ext cx="7496269" cy="4626269"/>
+          </a:xfrm>
+          <a:prstGeom prst="rect">
+            <a:avLst/>
+          </a:prstGeom>
+        </p:spPr>
+      </p:pic>
+      <p:sp>
+        <p:nvSpPr>
+          <p:cNvPr id="3" name="ZoneTexte 2"/>
+          <p:cNvSpPr txBox="1"/>
+          <p:nvPr/>
+        </p:nvSpPr>
+        <p:spPr>
+          <a:xfrm>
+            <a:off x="11488025" y="6488668"/>
+            <a:ext cx="703975" cy="369332"/>
+          </a:xfrm>
+          <a:prstGeom prst="rect">
+            <a:avLst/>
+          </a:prstGeom>
+          <a:noFill/>
+        </p:spPr>
+        <p:txBody>
+          <a:bodyPr wrap="none" rtlCol="0">
+            <a:spAutoFit/>
+          </a:bodyPr>
+          <a:lstStyle/>
+          <a:p>
+            <a:r>
+              <a:rPr lang="fr-FR" i="1" dirty="0" smtClean="0">
+                <a:solidFill>
+                  <a:schemeClr val="bg1">
+                    <a:lumMod val="50000"/>
+                  </a:schemeClr>
+                </a:solidFill>
+              </a:rPr>
+              <a:t>NASA</a:t>
+            </a:r>
+            <a:endParaRPr lang="fr-FR" i="1" dirty="0">
+              <a:solidFill>
+                <a:schemeClr val="bg1">
+                  <a:lumMod val="50000"/>
+                </a:schemeClr>
+              </a:solidFill>
+            </a:endParaRPr>
+          </a:p>
+        </p:txBody>
+      </p:sp>
+    </p:spTree>
+    <p:extLst>
+      <p:ext uri="{BB962C8B-B14F-4D97-AF65-F5344CB8AC3E}">
+        <p14:creationId xmlns:p14="http://schemas.microsoft.com/office/powerpoint/2010/main" val="3078035569"/>
+      </p:ext>
+    </p:extLst>
+  </p:cSld>
+  <p:clrMapOvr>
+    <a:masterClrMapping/>
+  </p:clrMapOvr>
+  <p:timing>
+    <p:tnLst>
+      <p:par>
+        <p:cTn id="1" dur="indefinite" restart="never" nodeType="tmRoot"/>
+      </p:par>
+    </p:tnLst>
+  </p:timing>
+</p:sld>
+</file>
+
+<file path=ppt/slides/slide5.xml><?xml version="1.0" encoding="utf-8"?>
+<p:sld xmlns:a="http://schemas.openxmlformats.org/drawingml/2006/main" xmlns:r="http://schemas.openxmlformats.org/officeDocument/2006/relationships" xmlns:p="http://schemas.openxmlformats.org/presentationml/2006/main">
+  <p:cSld>
+    <p:spTree>
+      <p:nvGrpSpPr>
+        <p:cNvPr id="1" name=""/>
+        <p:cNvGrpSpPr/>
+        <p:nvPr/>
+      </p:nvGrpSpPr>
+      <p:grpSpPr>
+        <a:xfrm>
+          <a:off x="0" y="0"/>
+          <a:ext cx="0" cy="0"/>
+          <a:chOff x="0" y="0"/>
+          <a:chExt cx="0" cy="0"/>
+        </a:xfrm>
+      </p:grpSpPr>
+      <p:sp>
+        <p:nvSpPr>
+          <p:cNvPr id="4" name="Titre 1"/>
+          <p:cNvSpPr txBox="1">
+            <a:spLocks/>
+          </p:cNvSpPr>
+          <p:nvPr/>
+        </p:nvSpPr>
+        <p:spPr>
+          <a:xfrm>
+            <a:off x="0" y="0"/>
+            <a:ext cx="12192000" cy="747252"/>
+          </a:xfrm>
+          <a:prstGeom prst="rect">
+            <a:avLst/>
+          </a:prstGeom>
+        </p:spPr>
+        <p:txBody>
+          <a:bodyPr vert="horz" lIns="91440" tIns="45720" rIns="91440" bIns="45720" rtlCol="0" anchor="ctr">
+            <a:normAutofit/>
+          </a:bodyPr>
+          <a:lstStyle>
+            <a:lvl1pPr algn="l" defTabSz="914400" rtl="0" eaLnBrk="1" latinLnBrk="0" hangingPunct="1">
+              <a:lnSpc>
+                <a:spcPct val="90000"/>
+              </a:lnSpc>
+              <a:spcBef>
+                <a:spcPct val="0"/>
+              </a:spcBef>
+              <a:buNone/>
+              <a:defRPr sz="4400" kern="1200">
+                <a:solidFill>
+                  <a:schemeClr val="tx1"/>
+                </a:solidFill>
+                <a:latin typeface="+mj-lt"/>
+                <a:ea typeface="+mj-ea"/>
+                <a:cs typeface="+mj-cs"/>
+              </a:defRPr>
+            </a:lvl1pPr>
+          </a:lstStyle>
+          <a:p>
+            <a:r>
+              <a:rPr lang="fr-FR" sz="3600" b="1" dirty="0" smtClean="0">
+                <a:solidFill>
+                  <a:srgbClr val="0070C0"/>
+                </a:solidFill>
+              </a:rPr>
+              <a:t>  Vitesse aréolaire</a:t>
             </a:r>
             <a:endParaRPr lang="fr-FR" sz="3600" dirty="0">
               <a:solidFill>
@@ -5016,7 +5224,7 @@
 </p:sld>
 </file>
 
-<file path=ppt/slides/slide5.xml><?xml version="1.0" encoding="utf-8"?>
+<file path=ppt/slides/slide6.xml><?xml version="1.0" encoding="utf-8"?>
 <p:sld xmlns:a="http://schemas.openxmlformats.org/drawingml/2006/main" xmlns:r="http://schemas.openxmlformats.org/officeDocument/2006/relationships" xmlns:p="http://schemas.openxmlformats.org/presentationml/2006/main">
   <p:cSld>
     <p:spTree>
@@ -5110,15 +5318,7 @@
                   <a:srgbClr val="0070C0"/>
                 </a:solidFill>
               </a:rPr>
-              <a:t>  </a:t>
-            </a:r>
-            <a:r>
-              <a:rPr lang="fr-FR" sz="3600" b="1" dirty="0" smtClean="0">
-                <a:solidFill>
-                  <a:srgbClr val="0070C0"/>
-                </a:solidFill>
-              </a:rPr>
-              <a:t>Vérification de la troisième loi de Kepler</a:t>
+              <a:t>  Vérification de la troisième loi de Kepler</a:t>
             </a:r>
             <a:endParaRPr lang="fr-FR" sz="3600" dirty="0">
               <a:solidFill>
